--- a/Power point.pptx
+++ b/Power point.pptx
@@ -3354,7 +3354,7 @@
         </p:nvSpPr>
         <p:spPr>
           <a:xfrm>
-            <a:off x="1466491" y="1095555"/>
+            <a:off x="1733910" y="1078302"/>
             <a:ext cx="2941607" cy="1026543"/>
           </a:xfrm>
           <a:prstGeom prst="roundRect">

--- a/Power point.pptx
+++ b/Power point.pptx
@@ -3439,7 +3439,7 @@
         </p:nvSpPr>
         <p:spPr>
           <a:xfrm>
-            <a:off x="1466491" y="1095555"/>
+            <a:off x="2251495" y="1690778"/>
             <a:ext cx="2941607" cy="1026543"/>
           </a:xfrm>
           <a:prstGeom prst="roundRect">

--- a/Power point.pptx
+++ b/Power point.pptx
@@ -3354,7 +3354,7 @@
         </p:nvSpPr>
         <p:spPr>
           <a:xfrm>
-            <a:off x="1733910" y="1078302"/>
+            <a:off x="1682152" y="1751162"/>
             <a:ext cx="2941607" cy="1026543"/>
           </a:xfrm>
           <a:prstGeom prst="roundRect">
@@ -3439,7 +3439,7 @@
         </p:nvSpPr>
         <p:spPr>
           <a:xfrm>
-            <a:off x="2251495" y="1690778"/>
+            <a:off x="1466491" y="1095555"/>
             <a:ext cx="2941607" cy="1026543"/>
           </a:xfrm>
           <a:prstGeom prst="roundRect">

--- a/Power point.pptx
+++ b/Power point.pptx
@@ -273,7 +273,7 @@
           <a:p>
             <a:fld id="{8EE270E1-D5C9-49B0-B519-6C0DEB1569AF}" type="datetimeFigureOut">
               <a:rPr lang="fr-FR" smtClean="0"/>
-              <a:t>15/12/2025</a:t>
+              <a:t>16/12/2025</a:t>
             </a:fld>
             <a:endParaRPr lang="fr-FR"/>
           </a:p>
@@ -471,7 +471,7 @@
           <a:p>
             <a:fld id="{8EE270E1-D5C9-49B0-B519-6C0DEB1569AF}" type="datetimeFigureOut">
               <a:rPr lang="fr-FR" smtClean="0"/>
-              <a:t>15/12/2025</a:t>
+              <a:t>16/12/2025</a:t>
             </a:fld>
             <a:endParaRPr lang="fr-FR"/>
           </a:p>
@@ -679,7 +679,7 @@
           <a:p>
             <a:fld id="{8EE270E1-D5C9-49B0-B519-6C0DEB1569AF}" type="datetimeFigureOut">
               <a:rPr lang="fr-FR" smtClean="0"/>
-              <a:t>15/12/2025</a:t>
+              <a:t>16/12/2025</a:t>
             </a:fld>
             <a:endParaRPr lang="fr-FR"/>
           </a:p>
@@ -877,7 +877,7 @@
           <a:p>
             <a:fld id="{8EE270E1-D5C9-49B0-B519-6C0DEB1569AF}" type="datetimeFigureOut">
               <a:rPr lang="fr-FR" smtClean="0"/>
-              <a:t>15/12/2025</a:t>
+              <a:t>16/12/2025</a:t>
             </a:fld>
             <a:endParaRPr lang="fr-FR"/>
           </a:p>
@@ -1152,7 +1152,7 @@
           <a:p>
             <a:fld id="{8EE270E1-D5C9-49B0-B519-6C0DEB1569AF}" type="datetimeFigureOut">
               <a:rPr lang="fr-FR" smtClean="0"/>
-              <a:t>15/12/2025</a:t>
+              <a:t>16/12/2025</a:t>
             </a:fld>
             <a:endParaRPr lang="fr-FR"/>
           </a:p>
@@ -1417,7 +1417,7 @@
           <a:p>
             <a:fld id="{8EE270E1-D5C9-49B0-B519-6C0DEB1569AF}" type="datetimeFigureOut">
               <a:rPr lang="fr-FR" smtClean="0"/>
-              <a:t>15/12/2025</a:t>
+              <a:t>16/12/2025</a:t>
             </a:fld>
             <a:endParaRPr lang="fr-FR"/>
           </a:p>
@@ -1829,7 +1829,7 @@
           <a:p>
             <a:fld id="{8EE270E1-D5C9-49B0-B519-6C0DEB1569AF}" type="datetimeFigureOut">
               <a:rPr lang="fr-FR" smtClean="0"/>
-              <a:t>15/12/2025</a:t>
+              <a:t>16/12/2025</a:t>
             </a:fld>
             <a:endParaRPr lang="fr-FR"/>
           </a:p>
@@ -1970,7 +1970,7 @@
           <a:p>
             <a:fld id="{8EE270E1-D5C9-49B0-B519-6C0DEB1569AF}" type="datetimeFigureOut">
               <a:rPr lang="fr-FR" smtClean="0"/>
-              <a:t>15/12/2025</a:t>
+              <a:t>16/12/2025</a:t>
             </a:fld>
             <a:endParaRPr lang="fr-FR"/>
           </a:p>
@@ -2083,7 +2083,7 @@
           <a:p>
             <a:fld id="{8EE270E1-D5C9-49B0-B519-6C0DEB1569AF}" type="datetimeFigureOut">
               <a:rPr lang="fr-FR" smtClean="0"/>
-              <a:t>15/12/2025</a:t>
+              <a:t>16/12/2025</a:t>
             </a:fld>
             <a:endParaRPr lang="fr-FR"/>
           </a:p>
@@ -2394,7 +2394,7 @@
           <a:p>
             <a:fld id="{8EE270E1-D5C9-49B0-B519-6C0DEB1569AF}" type="datetimeFigureOut">
               <a:rPr lang="fr-FR" smtClean="0"/>
-              <a:t>15/12/2025</a:t>
+              <a:t>16/12/2025</a:t>
             </a:fld>
             <a:endParaRPr lang="fr-FR"/>
           </a:p>
@@ -2682,7 +2682,7 @@
           <a:p>
             <a:fld id="{8EE270E1-D5C9-49B0-B519-6C0DEB1569AF}" type="datetimeFigureOut">
               <a:rPr lang="fr-FR" smtClean="0"/>
-              <a:t>15/12/2025</a:t>
+              <a:t>16/12/2025</a:t>
             </a:fld>
             <a:endParaRPr lang="fr-FR"/>
           </a:p>
@@ -2923,7 +2923,7 @@
           <a:p>
             <a:fld id="{8EE270E1-D5C9-49B0-B519-6C0DEB1569AF}" type="datetimeFigureOut">
               <a:rPr lang="fr-FR" smtClean="0"/>
-              <a:t>15/12/2025</a:t>
+              <a:t>16/12/2025</a:t>
             </a:fld>
             <a:endParaRPr lang="fr-FR"/>
           </a:p>
@@ -3354,7 +3354,7 @@
         </p:nvSpPr>
         <p:spPr>
           <a:xfrm>
-            <a:off x="1682152" y="1751162"/>
+            <a:off x="1673526" y="1742536"/>
             <a:ext cx="2941607" cy="1026543"/>
           </a:xfrm>
           <a:prstGeom prst="roundRect">

--- a/Power point.pptx
+++ b/Power point.pptx
@@ -3354,7 +3354,7 @@
         </p:nvSpPr>
         <p:spPr>
           <a:xfrm>
-            <a:off x="1673526" y="1742536"/>
+            <a:off x="1155940" y="1621766"/>
             <a:ext cx="2941607" cy="1026543"/>
           </a:xfrm>
           <a:prstGeom prst="roundRect">
@@ -3439,7 +3439,7 @@
         </p:nvSpPr>
         <p:spPr>
           <a:xfrm>
-            <a:off x="1466491" y="1095555"/>
+            <a:off x="2251495" y="1690778"/>
             <a:ext cx="2941607" cy="1026543"/>
           </a:xfrm>
           <a:prstGeom prst="roundRect">

--- a/Power point.pptx
+++ b/Power point.pptx
@@ -3354,7 +3354,7 @@
         </p:nvSpPr>
         <p:spPr>
           <a:xfrm>
-            <a:off x="1155940" y="1621766"/>
+            <a:off x="8039819" y="4934310"/>
             <a:ext cx="2941607" cy="1026543"/>
           </a:xfrm>
           <a:prstGeom prst="roundRect">

--- a/Power point.pptx
+++ b/Power point.pptx
@@ -3354,7 +3354,7 @@
         </p:nvSpPr>
         <p:spPr>
           <a:xfrm>
-            <a:off x="8039819" y="4934310"/>
+            <a:off x="60385" y="5831457"/>
             <a:ext cx="2941607" cy="1026543"/>
           </a:xfrm>
           <a:prstGeom prst="roundRect">

--- a/Power point.pptx
+++ b/Power point.pptx
@@ -273,7 +273,7 @@
           <a:p>
             <a:fld id="{8EE270E1-D5C9-49B0-B519-6C0DEB1569AF}" type="datetimeFigureOut">
               <a:rPr lang="fr-FR" smtClean="0"/>
-              <a:t>16/12/2025</a:t>
+              <a:t>17/12/2025</a:t>
             </a:fld>
             <a:endParaRPr lang="fr-FR"/>
           </a:p>
@@ -471,7 +471,7 @@
           <a:p>
             <a:fld id="{8EE270E1-D5C9-49B0-B519-6C0DEB1569AF}" type="datetimeFigureOut">
               <a:rPr lang="fr-FR" smtClean="0"/>
-              <a:t>16/12/2025</a:t>
+              <a:t>17/12/2025</a:t>
             </a:fld>
             <a:endParaRPr lang="fr-FR"/>
           </a:p>
@@ -679,7 +679,7 @@
           <a:p>
             <a:fld id="{8EE270E1-D5C9-49B0-B519-6C0DEB1569AF}" type="datetimeFigureOut">
               <a:rPr lang="fr-FR" smtClean="0"/>
-              <a:t>16/12/2025</a:t>
+              <a:t>17/12/2025</a:t>
             </a:fld>
             <a:endParaRPr lang="fr-FR"/>
           </a:p>
@@ -877,7 +877,7 @@
           <a:p>
             <a:fld id="{8EE270E1-D5C9-49B0-B519-6C0DEB1569AF}" type="datetimeFigureOut">
               <a:rPr lang="fr-FR" smtClean="0"/>
-              <a:t>16/12/2025</a:t>
+              <a:t>17/12/2025</a:t>
             </a:fld>
             <a:endParaRPr lang="fr-FR"/>
           </a:p>
@@ -1152,7 +1152,7 @@
           <a:p>
             <a:fld id="{8EE270E1-D5C9-49B0-B519-6C0DEB1569AF}" type="datetimeFigureOut">
               <a:rPr lang="fr-FR" smtClean="0"/>
-              <a:t>16/12/2025</a:t>
+              <a:t>17/12/2025</a:t>
             </a:fld>
             <a:endParaRPr lang="fr-FR"/>
           </a:p>
@@ -1417,7 +1417,7 @@
           <a:p>
             <a:fld id="{8EE270E1-D5C9-49B0-B519-6C0DEB1569AF}" type="datetimeFigureOut">
               <a:rPr lang="fr-FR" smtClean="0"/>
-              <a:t>16/12/2025</a:t>
+              <a:t>17/12/2025</a:t>
             </a:fld>
             <a:endParaRPr lang="fr-FR"/>
           </a:p>
@@ -1829,7 +1829,7 @@
           <a:p>
             <a:fld id="{8EE270E1-D5C9-49B0-B519-6C0DEB1569AF}" type="datetimeFigureOut">
               <a:rPr lang="fr-FR" smtClean="0"/>
-              <a:t>16/12/2025</a:t>
+              <a:t>17/12/2025</a:t>
             </a:fld>
             <a:endParaRPr lang="fr-FR"/>
           </a:p>
@@ -1970,7 +1970,7 @@
           <a:p>
             <a:fld id="{8EE270E1-D5C9-49B0-B519-6C0DEB1569AF}" type="datetimeFigureOut">
               <a:rPr lang="fr-FR" smtClean="0"/>
-              <a:t>16/12/2025</a:t>
+              <a:t>17/12/2025</a:t>
             </a:fld>
             <a:endParaRPr lang="fr-FR"/>
           </a:p>
@@ -2083,7 +2083,7 @@
           <a:p>
             <a:fld id="{8EE270E1-D5C9-49B0-B519-6C0DEB1569AF}" type="datetimeFigureOut">
               <a:rPr lang="fr-FR" smtClean="0"/>
-              <a:t>16/12/2025</a:t>
+              <a:t>17/12/2025</a:t>
             </a:fld>
             <a:endParaRPr lang="fr-FR"/>
           </a:p>
@@ -2394,7 +2394,7 @@
           <a:p>
             <a:fld id="{8EE270E1-D5C9-49B0-B519-6C0DEB1569AF}" type="datetimeFigureOut">
               <a:rPr lang="fr-FR" smtClean="0"/>
-              <a:t>16/12/2025</a:t>
+              <a:t>17/12/2025</a:t>
             </a:fld>
             <a:endParaRPr lang="fr-FR"/>
           </a:p>
@@ -2682,7 +2682,7 @@
           <a:p>
             <a:fld id="{8EE270E1-D5C9-49B0-B519-6C0DEB1569AF}" type="datetimeFigureOut">
               <a:rPr lang="fr-FR" smtClean="0"/>
-              <a:t>16/12/2025</a:t>
+              <a:t>17/12/2025</a:t>
             </a:fld>
             <a:endParaRPr lang="fr-FR"/>
           </a:p>
@@ -2923,7 +2923,7 @@
           <a:p>
             <a:fld id="{8EE270E1-D5C9-49B0-B519-6C0DEB1569AF}" type="datetimeFigureOut">
               <a:rPr lang="fr-FR" smtClean="0"/>
-              <a:t>16/12/2025</a:t>
+              <a:t>17/12/2025</a:t>
             </a:fld>
             <a:endParaRPr lang="fr-FR"/>
           </a:p>
@@ -3354,7 +3354,7 @@
         </p:nvSpPr>
         <p:spPr>
           <a:xfrm>
-            <a:off x="60385" y="5831457"/>
+            <a:off x="4625196" y="2915728"/>
             <a:ext cx="2941607" cy="1026543"/>
           </a:xfrm>
           <a:prstGeom prst="roundRect">

--- a/Power point.pptx
+++ b/Power point.pptx
@@ -3354,7 +3354,7 @@
         </p:nvSpPr>
         <p:spPr>
           <a:xfrm>
-            <a:off x="4625196" y="2915728"/>
+            <a:off x="4478547" y="560717"/>
             <a:ext cx="2941607" cy="1026543"/>
           </a:xfrm>
           <a:prstGeom prst="roundRect">
@@ -3383,8 +3383,57 @@
           <a:p>
             <a:pPr algn="ctr"/>
             <a:r>
-              <a:rPr lang="fr-FR"/>
-              <a:t>GW-P 2020</a:t>
+              <a:rPr lang="fr-FR" dirty="0"/>
+              <a:t>GW-P 2020C</a:t>
+            </a:r>
+          </a:p>
+        </p:txBody>
+      </p:sp>
+      <p:sp>
+        <p:nvSpPr>
+          <p:cNvPr id="2" name="Rectangle : coins arrondis 1">
+            <a:extLst>
+              <a:ext uri="{FF2B5EF4-FFF2-40B4-BE49-F238E27FC236}">
+                <a16:creationId xmlns:a16="http://schemas.microsoft.com/office/drawing/2014/main" id="{56FE87EC-ED35-B607-8C4A-95A90860087A}"/>
+              </a:ext>
+            </a:extLst>
+          </p:cNvPr>
+          <p:cNvSpPr/>
+          <p:nvPr/>
+        </p:nvSpPr>
+        <p:spPr>
+          <a:xfrm>
+            <a:off x="4625196" y="2402457"/>
+            <a:ext cx="2941607" cy="1026543"/>
+          </a:xfrm>
+          <a:prstGeom prst="roundRect">
+            <a:avLst/>
+          </a:prstGeom>
+        </p:spPr>
+        <p:style>
+          <a:lnRef idx="2">
+            <a:schemeClr val="accent1">
+              <a:shade val="15000"/>
+            </a:schemeClr>
+          </a:lnRef>
+          <a:fillRef idx="1">
+            <a:schemeClr val="accent1"/>
+          </a:fillRef>
+          <a:effectRef idx="0">
+            <a:schemeClr val="accent1"/>
+          </a:effectRef>
+          <a:fontRef idx="minor">
+            <a:schemeClr val="lt1"/>
+          </a:fontRef>
+        </p:style>
+        <p:txBody>
+          <a:bodyPr rtlCol="0" anchor="ctr"/>
+          <a:lstStyle/>
+          <a:p>
+            <a:pPr algn="ctr"/>
+            <a:r>
+              <a:rPr lang="fr-FR" dirty="0"/>
+              <a:t>GW-P 2020C</a:t>
             </a:r>
           </a:p>
         </p:txBody>

--- a/Power point.pptx
+++ b/Power point.pptx
@@ -273,7 +273,7 @@
           <a:p>
             <a:fld id="{8EE270E1-D5C9-49B0-B519-6C0DEB1569AF}" type="datetimeFigureOut">
               <a:rPr lang="fr-FR" smtClean="0"/>
-              <a:t>17/12/2025</a:t>
+              <a:t>19/12/2025</a:t>
             </a:fld>
             <a:endParaRPr lang="fr-FR"/>
           </a:p>
@@ -471,7 +471,7 @@
           <a:p>
             <a:fld id="{8EE270E1-D5C9-49B0-B519-6C0DEB1569AF}" type="datetimeFigureOut">
               <a:rPr lang="fr-FR" smtClean="0"/>
-              <a:t>17/12/2025</a:t>
+              <a:t>19/12/2025</a:t>
             </a:fld>
             <a:endParaRPr lang="fr-FR"/>
           </a:p>
@@ -679,7 +679,7 @@
           <a:p>
             <a:fld id="{8EE270E1-D5C9-49B0-B519-6C0DEB1569AF}" type="datetimeFigureOut">
               <a:rPr lang="fr-FR" smtClean="0"/>
-              <a:t>17/12/2025</a:t>
+              <a:t>19/12/2025</a:t>
             </a:fld>
             <a:endParaRPr lang="fr-FR"/>
           </a:p>
@@ -877,7 +877,7 @@
           <a:p>
             <a:fld id="{8EE270E1-D5C9-49B0-B519-6C0DEB1569AF}" type="datetimeFigureOut">
               <a:rPr lang="fr-FR" smtClean="0"/>
-              <a:t>17/12/2025</a:t>
+              <a:t>19/12/2025</a:t>
             </a:fld>
             <a:endParaRPr lang="fr-FR"/>
           </a:p>
@@ -1152,7 +1152,7 @@
           <a:p>
             <a:fld id="{8EE270E1-D5C9-49B0-B519-6C0DEB1569AF}" type="datetimeFigureOut">
               <a:rPr lang="fr-FR" smtClean="0"/>
-              <a:t>17/12/2025</a:t>
+              <a:t>19/12/2025</a:t>
             </a:fld>
             <a:endParaRPr lang="fr-FR"/>
           </a:p>
@@ -1417,7 +1417,7 @@
           <a:p>
             <a:fld id="{8EE270E1-D5C9-49B0-B519-6C0DEB1569AF}" type="datetimeFigureOut">
               <a:rPr lang="fr-FR" smtClean="0"/>
-              <a:t>17/12/2025</a:t>
+              <a:t>19/12/2025</a:t>
             </a:fld>
             <a:endParaRPr lang="fr-FR"/>
           </a:p>
@@ -1829,7 +1829,7 @@
           <a:p>
             <a:fld id="{8EE270E1-D5C9-49B0-B519-6C0DEB1569AF}" type="datetimeFigureOut">
               <a:rPr lang="fr-FR" smtClean="0"/>
-              <a:t>17/12/2025</a:t>
+              <a:t>19/12/2025</a:t>
             </a:fld>
             <a:endParaRPr lang="fr-FR"/>
           </a:p>
@@ -1970,7 +1970,7 @@
           <a:p>
             <a:fld id="{8EE270E1-D5C9-49B0-B519-6C0DEB1569AF}" type="datetimeFigureOut">
               <a:rPr lang="fr-FR" smtClean="0"/>
-              <a:t>17/12/2025</a:t>
+              <a:t>19/12/2025</a:t>
             </a:fld>
             <a:endParaRPr lang="fr-FR"/>
           </a:p>
@@ -2083,7 +2083,7 @@
           <a:p>
             <a:fld id="{8EE270E1-D5C9-49B0-B519-6C0DEB1569AF}" type="datetimeFigureOut">
               <a:rPr lang="fr-FR" smtClean="0"/>
-              <a:t>17/12/2025</a:t>
+              <a:t>19/12/2025</a:t>
             </a:fld>
             <a:endParaRPr lang="fr-FR"/>
           </a:p>
@@ -2394,7 +2394,7 @@
           <a:p>
             <a:fld id="{8EE270E1-D5C9-49B0-B519-6C0DEB1569AF}" type="datetimeFigureOut">
               <a:rPr lang="fr-FR" smtClean="0"/>
-              <a:t>17/12/2025</a:t>
+              <a:t>19/12/2025</a:t>
             </a:fld>
             <a:endParaRPr lang="fr-FR"/>
           </a:p>
@@ -2682,7 +2682,7 @@
           <a:p>
             <a:fld id="{8EE270E1-D5C9-49B0-B519-6C0DEB1569AF}" type="datetimeFigureOut">
               <a:rPr lang="fr-FR" smtClean="0"/>
-              <a:t>17/12/2025</a:t>
+              <a:t>19/12/2025</a:t>
             </a:fld>
             <a:endParaRPr lang="fr-FR"/>
           </a:p>
@@ -2923,7 +2923,7 @@
           <a:p>
             <a:fld id="{8EE270E1-D5C9-49B0-B519-6C0DEB1569AF}" type="datetimeFigureOut">
               <a:rPr lang="fr-FR" smtClean="0"/>
-              <a:t>17/12/2025</a:t>
+              <a:t>19/12/2025</a:t>
             </a:fld>
             <a:endParaRPr lang="fr-FR"/>
           </a:p>
@@ -3403,7 +3403,7 @@
         </p:nvSpPr>
         <p:spPr>
           <a:xfrm>
-            <a:off x="4625196" y="2402457"/>
+            <a:off x="4478546" y="4481423"/>
             <a:ext cx="2941607" cy="1026543"/>
           </a:xfrm>
           <a:prstGeom prst="roundRect">
